--- a/presentations/review1 with template.pptx
+++ b/presentations/review1 with template.pptx
@@ -9,13 +9,14 @@
     <p:sldId id="257" r:id="rId3"/>
     <p:sldId id="265" r:id="rId4"/>
     <p:sldId id="266" r:id="rId5"/>
-    <p:sldId id="258" r:id="rId6"/>
-    <p:sldId id="259" r:id="rId7"/>
-    <p:sldId id="260" r:id="rId8"/>
-    <p:sldId id="261" r:id="rId9"/>
-    <p:sldId id="262" r:id="rId10"/>
-    <p:sldId id="263" r:id="rId11"/>
-    <p:sldId id="264" r:id="rId12"/>
+    <p:sldId id="267" r:id="rId6"/>
+    <p:sldId id="258" r:id="rId7"/>
+    <p:sldId id="259" r:id="rId8"/>
+    <p:sldId id="260" r:id="rId9"/>
+    <p:sldId id="261" r:id="rId10"/>
+    <p:sldId id="262" r:id="rId11"/>
+    <p:sldId id="263" r:id="rId12"/>
+    <p:sldId id="264" r:id="rId13"/>
   </p:sldIdLst>
   <p:sldSz cx="12192000" cy="6858000"/>
   <p:notesSz cx="6858000" cy="9144000"/>
@@ -269,7 +270,7 @@
           <a:p>
             <a:fld id="{C1446CC2-EC25-4877-9324-8E6B392E2242}" type="datetimeFigureOut">
               <a:rPr lang="en-IN" smtClean="0"/>
-              <a:t>22-02-2022</a:t>
+              <a:t>24-02-2022</a:t>
             </a:fld>
             <a:endParaRPr lang="en-IN"/>
           </a:p>
@@ -520,7 +521,7 @@
           <a:p>
             <a:fld id="{C1446CC2-EC25-4877-9324-8E6B392E2242}" type="datetimeFigureOut">
               <a:rPr lang="en-IN" smtClean="0"/>
-              <a:t>22-02-2022</a:t>
+              <a:t>24-02-2022</a:t>
             </a:fld>
             <a:endParaRPr lang="en-IN"/>
           </a:p>
@@ -781,7 +782,7 @@
           <a:p>
             <a:fld id="{C1446CC2-EC25-4877-9324-8E6B392E2242}" type="datetimeFigureOut">
               <a:rPr lang="en-IN" smtClean="0"/>
-              <a:t>22-02-2022</a:t>
+              <a:t>24-02-2022</a:t>
             </a:fld>
             <a:endParaRPr lang="en-IN"/>
           </a:p>
@@ -1032,7 +1033,7 @@
           <a:p>
             <a:fld id="{C1446CC2-EC25-4877-9324-8E6B392E2242}" type="datetimeFigureOut">
               <a:rPr lang="en-IN" smtClean="0"/>
-              <a:t>22-02-2022</a:t>
+              <a:t>24-02-2022</a:t>
             </a:fld>
             <a:endParaRPr lang="en-IN"/>
           </a:p>
@@ -1360,7 +1361,7 @@
           <a:p>
             <a:fld id="{C1446CC2-EC25-4877-9324-8E6B392E2242}" type="datetimeFigureOut">
               <a:rPr lang="en-IN" smtClean="0"/>
-              <a:t>22-02-2022</a:t>
+              <a:t>24-02-2022</a:t>
             </a:fld>
             <a:endParaRPr lang="en-IN"/>
           </a:p>
@@ -1678,7 +1679,7 @@
           <a:p>
             <a:fld id="{C1446CC2-EC25-4877-9324-8E6B392E2242}" type="datetimeFigureOut">
               <a:rPr lang="en-IN" smtClean="0"/>
-              <a:t>22-02-2022</a:t>
+              <a:t>24-02-2022</a:t>
             </a:fld>
             <a:endParaRPr lang="en-IN"/>
           </a:p>
@@ -2143,7 +2144,7 @@
           <a:p>
             <a:fld id="{C1446CC2-EC25-4877-9324-8E6B392E2242}" type="datetimeFigureOut">
               <a:rPr lang="en-IN" smtClean="0"/>
-              <a:t>22-02-2022</a:t>
+              <a:t>24-02-2022</a:t>
             </a:fld>
             <a:endParaRPr lang="en-IN"/>
           </a:p>
@@ -2337,7 +2338,7 @@
           <a:p>
             <a:fld id="{C1446CC2-EC25-4877-9324-8E6B392E2242}" type="datetimeFigureOut">
               <a:rPr lang="en-IN" smtClean="0"/>
-              <a:t>22-02-2022</a:t>
+              <a:t>24-02-2022</a:t>
             </a:fld>
             <a:endParaRPr lang="en-IN"/>
           </a:p>
@@ -2503,7 +2504,7 @@
           <a:p>
             <a:fld id="{C1446CC2-EC25-4877-9324-8E6B392E2242}" type="datetimeFigureOut">
               <a:rPr lang="en-IN" smtClean="0"/>
-              <a:t>22-02-2022</a:t>
+              <a:t>24-02-2022</a:t>
             </a:fld>
             <a:endParaRPr lang="en-IN"/>
           </a:p>
@@ -2867,7 +2868,7 @@
           <a:p>
             <a:fld id="{C1446CC2-EC25-4877-9324-8E6B392E2242}" type="datetimeFigureOut">
               <a:rPr lang="en-IN" smtClean="0"/>
-              <a:t>22-02-2022</a:t>
+              <a:t>24-02-2022</a:t>
             </a:fld>
             <a:endParaRPr lang="en-IN"/>
           </a:p>
@@ -3211,7 +3212,7 @@
           <a:p>
             <a:fld id="{C1446CC2-EC25-4877-9324-8E6B392E2242}" type="datetimeFigureOut">
               <a:rPr lang="en-IN" smtClean="0"/>
-              <a:t>22-02-2022</a:t>
+              <a:t>24-02-2022</a:t>
             </a:fld>
             <a:endParaRPr lang="en-IN"/>
           </a:p>
@@ -3505,7 +3506,7 @@
           <a:p>
             <a:fld id="{C1446CC2-EC25-4877-9324-8E6B392E2242}" type="datetimeFigureOut">
               <a:rPr lang="en-IN" smtClean="0"/>
-              <a:t>22-02-2022</a:t>
+              <a:t>24-02-2022</a:t>
             </a:fld>
             <a:endParaRPr lang="en-IN"/>
           </a:p>
@@ -3991,7 +3992,7 @@
               </a:rPr>
             </a:br>
             <a:r>
-              <a:rPr lang="en-US" sz="2800">
+              <a:rPr lang="en-US" sz="2800" dirty="0">
                 <a:solidFill>
                   <a:schemeClr val="tx2">
                     <a:lumMod val="90000"/>
@@ -4002,7 +4003,7 @@
                 <a:ea typeface="Cascadia Code SemiBold" panose="020B0609020000020004" pitchFamily="49" charset="0"/>
                 <a:cs typeface="Cascadia Code SemiBold" panose="020B0609020000020004" pitchFamily="49" charset="0"/>
               </a:rPr>
-              <a:t>space efficient application for reachability of source to destination in a digital mapping service</a:t>
+              <a:t>space efficient application for reachability of source to destination in a robot navigation system.</a:t>
             </a:r>
             <a:br>
               <a:rPr lang="en-US" sz="2800" dirty="0">
@@ -4377,6 +4378,130 @@
           <p:cNvPr id="2" name="Title 1">
             <a:extLst>
               <a:ext uri="{FF2B5EF4-FFF2-40B4-BE49-F238E27FC236}">
+                <a16:creationId xmlns:a16="http://schemas.microsoft.com/office/drawing/2014/main" id="{70F3E181-6CB8-4C66-9588-9712C8DB5DDC}"/>
+              </a:ext>
+            </a:extLst>
+          </p:cNvPr>
+          <p:cNvSpPr>
+            <a:spLocks noGrp="1"/>
+          </p:cNvSpPr>
+          <p:nvPr>
+            <p:ph type="title"/>
+          </p:nvPr>
+        </p:nvSpPr>
+        <p:spPr>
+          <a:xfrm>
+            <a:off x="841695" y="365125"/>
+            <a:ext cx="10515600" cy="1325563"/>
+          </a:xfrm>
+        </p:spPr>
+        <p:txBody>
+          <a:bodyPr/>
+          <a:lstStyle/>
+          <a:p>
+            <a:r>
+              <a:rPr lang="en-IN" dirty="0">
+                <a:solidFill>
+                  <a:schemeClr val="tx1">
+                    <a:lumMod val="95000"/>
+                    <a:lumOff val="5000"/>
+                  </a:schemeClr>
+                </a:solidFill>
+                <a:latin typeface="Cascadia Code SemiBold" panose="020B0609020000020004" pitchFamily="49" charset="0"/>
+                <a:ea typeface="Cascadia Code SemiBold" panose="020B0609020000020004" pitchFamily="49" charset="0"/>
+                <a:cs typeface="Cascadia Code SemiBold" panose="020B0609020000020004" pitchFamily="49" charset="0"/>
+              </a:rPr>
+              <a:t>DIVISION OF WORK</a:t>
+            </a:r>
+          </a:p>
+        </p:txBody>
+      </p:sp>
+      <p:sp>
+        <p:nvSpPr>
+          <p:cNvPr id="3" name="Content Placeholder 2">
+            <a:extLst>
+              <a:ext uri="{FF2B5EF4-FFF2-40B4-BE49-F238E27FC236}">
+                <a16:creationId xmlns:a16="http://schemas.microsoft.com/office/drawing/2014/main" id="{0D677678-E6FC-43AF-8710-22E963C7CB46}"/>
+              </a:ext>
+            </a:extLst>
+          </p:cNvPr>
+          <p:cNvSpPr>
+            <a:spLocks noGrp="1"/>
+          </p:cNvSpPr>
+          <p:nvPr>
+            <p:ph idx="1"/>
+          </p:nvPr>
+        </p:nvSpPr>
+        <p:spPr/>
+        <p:txBody>
+          <a:bodyPr/>
+          <a:lstStyle/>
+          <a:p>
+            <a:endParaRPr lang="en-IN" dirty="0"/>
+          </a:p>
+          <a:p>
+            <a:r>
+              <a:rPr lang="en-IN" dirty="0"/>
+              <a:t>Implementation – Jyothin, Satya</a:t>
+            </a:r>
+          </a:p>
+          <a:p>
+            <a:r>
+              <a:rPr lang="en-IN" dirty="0"/>
+              <a:t>Algorithm and logic – Jyothin, </a:t>
+            </a:r>
+            <a:r>
+              <a:rPr lang="en-IN" dirty="0" err="1"/>
+              <a:t>Snehith</a:t>
+            </a:r>
+            <a:r>
+              <a:rPr lang="en-IN" dirty="0"/>
+              <a:t>, Karthik </a:t>
+            </a:r>
+          </a:p>
+          <a:p>
+            <a:r>
+              <a:rPr lang="en-IN" dirty="0"/>
+              <a:t>Testing and functionality – Devaraj </a:t>
+            </a:r>
+          </a:p>
+        </p:txBody>
+      </p:sp>
+    </p:spTree>
+    <p:extLst>
+      <p:ext uri="{BB962C8B-B14F-4D97-AF65-F5344CB8AC3E}">
+        <p14:creationId xmlns:p14="http://schemas.microsoft.com/office/powerpoint/2010/main" val="2477139981"/>
+      </p:ext>
+    </p:extLst>
+  </p:cSld>
+  <p:clrMapOvr>
+    <a:masterClrMapping/>
+  </p:clrMapOvr>
+</p:sld>
+</file>
+
+<file path=ppt/slides/slide11.xml><?xml version="1.0" encoding="utf-8"?>
+<p:sld xmlns:a="http://schemas.openxmlformats.org/drawingml/2006/main" xmlns:r="http://schemas.openxmlformats.org/officeDocument/2006/relationships" xmlns:p="http://schemas.openxmlformats.org/presentationml/2006/main">
+  <p:cSld>
+    <p:spTree>
+      <p:nvGrpSpPr>
+        <p:cNvPr id="1" name=""/>
+        <p:cNvGrpSpPr/>
+        <p:nvPr/>
+      </p:nvGrpSpPr>
+      <p:grpSpPr>
+        <a:xfrm>
+          <a:off x="0" y="0"/>
+          <a:ext cx="0" cy="0"/>
+          <a:chOff x="0" y="0"/>
+          <a:chExt cx="0" cy="0"/>
+        </a:xfrm>
+      </p:grpSpPr>
+      <p:sp>
+        <p:nvSpPr>
+          <p:cNvPr id="2" name="Title 1">
+            <a:extLst>
+              <a:ext uri="{FF2B5EF4-FFF2-40B4-BE49-F238E27FC236}">
                 <a16:creationId xmlns:a16="http://schemas.microsoft.com/office/drawing/2014/main" id="{EF43622C-4136-404A-B960-F0907A0ECA5B}"/>
               </a:ext>
             </a:extLst>
@@ -4438,7 +4563,7 @@
 </p:sld>
 </file>
 
-<file path=ppt/slides/slide11.xml><?xml version="1.0" encoding="utf-8"?>
+<file path=ppt/slides/slide12.xml><?xml version="1.0" encoding="utf-8"?>
 <p:sld xmlns:a="http://schemas.openxmlformats.org/drawingml/2006/main" xmlns:r="http://schemas.openxmlformats.org/officeDocument/2006/relationships" xmlns:p="http://schemas.openxmlformats.org/presentationml/2006/main">
   <p:cSld>
     <p:spTree>
@@ -4737,6 +4862,9 @@
               <a:rPr lang="en-US" dirty="0"/>
               <a:t>In this project will we try to implement a space efficient algorithm for reachability in directed geometric graph. </a:t>
             </a:r>
+          </a:p>
+          <a:p>
+            <a:endParaRPr lang="en-US" dirty="0"/>
           </a:p>
         </p:txBody>
       </p:sp>
@@ -5163,7 +5291,7 @@
           <p:cNvPr id="2" name="Title 1">
             <a:extLst>
               <a:ext uri="{FF2B5EF4-FFF2-40B4-BE49-F238E27FC236}">
-                <a16:creationId xmlns:a16="http://schemas.microsoft.com/office/drawing/2014/main" id="{02719C24-F6AF-4CCF-9D66-0ABCAB5A628E}"/>
+                <a16:creationId xmlns:a16="http://schemas.microsoft.com/office/drawing/2014/main" id="{59B54CE9-693C-4ED2-B210-E10358179952}"/>
               </a:ext>
             </a:extLst>
           </p:cNvPr>
@@ -5180,18 +5308,8 @@
           <a:lstStyle/>
           <a:p>
             <a:r>
-              <a:rPr lang="en-IN" dirty="0">
-                <a:solidFill>
-                  <a:schemeClr val="tx1">
-                    <a:lumMod val="95000"/>
-                    <a:lumOff val="5000"/>
-                  </a:schemeClr>
-                </a:solidFill>
-                <a:latin typeface="Cascadia Code SemiBold" panose="020B0609020000020004" pitchFamily="49" charset="0"/>
-                <a:ea typeface="Cascadia Code SemiBold" panose="020B0609020000020004" pitchFamily="49" charset="0"/>
-                <a:cs typeface="Cascadia Code SemiBold" panose="020B0609020000020004" pitchFamily="49" charset="0"/>
-              </a:rPr>
-              <a:t>EXISTING SOLUTIONS / NAÏVE SOLTIONS</a:t>
+              <a:rPr lang="en-US" dirty="0"/>
+              <a:t>APPLICATION </a:t>
             </a:r>
           </a:p>
         </p:txBody>
@@ -5201,7 +5319,7 @@
           <p:cNvPr id="3" name="Content Placeholder 2">
             <a:extLst>
               <a:ext uri="{FF2B5EF4-FFF2-40B4-BE49-F238E27FC236}">
-                <a16:creationId xmlns:a16="http://schemas.microsoft.com/office/drawing/2014/main" id="{8A7E5BF9-49EB-40A0-9E84-D30467DC69EA}"/>
+                <a16:creationId xmlns:a16="http://schemas.microsoft.com/office/drawing/2014/main" id="{EA6F5C12-ED13-434D-AE42-286F947709B1}"/>
               </a:ext>
             </a:extLst>
           </p:cNvPr>
@@ -5217,73 +5335,23 @@
           <a:bodyPr/>
           <a:lstStyle/>
           <a:p>
-            <a:endParaRPr lang="en-IN" b="1" dirty="0">
-              <a:latin typeface="SF UI Display" panose="00000500000000000000" pitchFamily="50" charset="0"/>
-            </a:endParaRPr>
-          </a:p>
-          <a:p>
-            <a:r>
-              <a:rPr lang="en-IN" b="1" dirty="0">
-                <a:latin typeface="SF UI Display" panose="00000500000000000000" pitchFamily="50" charset="0"/>
-              </a:rPr>
-              <a:t>(Existing solution) </a:t>
-            </a:r>
-            <a:r>
-              <a:rPr lang="en-IN" b="1" dirty="0" err="1">
-                <a:latin typeface="SF UI Display" panose="00000500000000000000" pitchFamily="50" charset="0"/>
-              </a:rPr>
-              <a:t>GraphReach</a:t>
-            </a:r>
-            <a:r>
-              <a:rPr lang="en-IN" b="1" dirty="0">
-                <a:latin typeface="SF UI Display" panose="00000500000000000000" pitchFamily="50" charset="0"/>
-              </a:rPr>
-              <a:t> </a:t>
-            </a:r>
-            <a:r>
-              <a:rPr lang="en-IN" dirty="0">
-                <a:latin typeface="SF UI Display" panose="00000500000000000000" pitchFamily="50" charset="0"/>
-              </a:rPr>
-              <a:t>– It </a:t>
-            </a:r>
-            <a:r>
-              <a:rPr lang="en-US" b="0" i="0" dirty="0">
-                <a:effectLst/>
-                <a:latin typeface="SF UI Display" panose="00000500000000000000" pitchFamily="50" charset="0"/>
-              </a:rPr>
-              <a:t>is a position-aware inductive GNN that captures the global positions of nodes through reachability estimations with 	respect to a set of anchor nodes.</a:t>
-            </a:r>
-          </a:p>
-          <a:p>
-            <a:r>
-              <a:rPr lang="en-US" b="1" dirty="0">
-                <a:latin typeface="SF UI Display" panose="00000500000000000000" pitchFamily="50" charset="0"/>
-              </a:rPr>
-              <a:t>(Naïve solution)</a:t>
-            </a:r>
-            <a:r>
-              <a:rPr lang="en-US" dirty="0">
-                <a:latin typeface="SF UI Display" panose="00000500000000000000" pitchFamily="50" charset="0"/>
-              </a:rPr>
-              <a:t> -  Visit every node and mark is as seen and check for adjacent nodes and keep updating the final list.  </a:t>
-            </a:r>
-            <a:r>
-              <a:rPr lang="en-US" b="0" i="0" dirty="0">
-                <a:effectLst/>
-                <a:latin typeface="SF UI Display" panose="00000500000000000000" pitchFamily="50" charset="0"/>
-              </a:rPr>
-              <a:t>	</a:t>
-            </a:r>
-            <a:endParaRPr lang="en-IN" dirty="0">
-              <a:latin typeface="SF UI Display" panose="00000500000000000000" pitchFamily="50" charset="0"/>
-            </a:endParaRPr>
+            <a:r>
+              <a:rPr lang="en-US" dirty="0"/>
+              <a:t>The applications will find the shortest path for robot so it can spend less resources reaching that destination. </a:t>
+            </a:r>
+          </a:p>
+          <a:p>
+            <a:r>
+              <a:rPr lang="en-US" dirty="0"/>
+              <a:t>Since the computers in a mobile robot can be limiting the problem statement objective of using the most space saving algorithm is justified. </a:t>
+            </a:r>
           </a:p>
         </p:txBody>
       </p:sp>
     </p:spTree>
     <p:extLst>
       <p:ext uri="{BB962C8B-B14F-4D97-AF65-F5344CB8AC3E}">
-        <p14:creationId xmlns:p14="http://schemas.microsoft.com/office/powerpoint/2010/main" val="3735240634"/>
+        <p14:creationId xmlns:p14="http://schemas.microsoft.com/office/powerpoint/2010/main" val="3802912826"/>
       </p:ext>
     </p:extLst>
   </p:cSld>
@@ -5315,7 +5383,7 @@
           <p:cNvPr id="2" name="Title 1">
             <a:extLst>
               <a:ext uri="{FF2B5EF4-FFF2-40B4-BE49-F238E27FC236}">
-                <a16:creationId xmlns:a16="http://schemas.microsoft.com/office/drawing/2014/main" id="{C079C607-0321-4664-A0D0-86C179313E4F}"/>
+                <a16:creationId xmlns:a16="http://schemas.microsoft.com/office/drawing/2014/main" id="{02719C24-F6AF-4CCF-9D66-0ABCAB5A628E}"/>
               </a:ext>
             </a:extLst>
           </p:cNvPr>
@@ -5343,7 +5411,7 @@
                 <a:ea typeface="Cascadia Code SemiBold" panose="020B0609020000020004" pitchFamily="49" charset="0"/>
                 <a:cs typeface="Cascadia Code SemiBold" panose="020B0609020000020004" pitchFamily="49" charset="0"/>
               </a:rPr>
-              <a:t>PROPOSED ALGORITHM AND DESIGN TECHINIQUE </a:t>
+              <a:t>EXISTING SOLUTIONS / NAÏVE SOLTIONS</a:t>
             </a:r>
           </a:p>
         </p:txBody>
@@ -5353,7 +5421,7 @@
           <p:cNvPr id="3" name="Content Placeholder 2">
             <a:extLst>
               <a:ext uri="{FF2B5EF4-FFF2-40B4-BE49-F238E27FC236}">
-                <a16:creationId xmlns:a16="http://schemas.microsoft.com/office/drawing/2014/main" id="{D7F674A8-B697-455E-AE71-EE2E42A1C10C}"/>
+                <a16:creationId xmlns:a16="http://schemas.microsoft.com/office/drawing/2014/main" id="{8A7E5BF9-49EB-40A0-9E84-D30467DC69EA}"/>
               </a:ext>
             </a:extLst>
           </p:cNvPr>
@@ -5366,87 +5434,46 @@
         </p:nvSpPr>
         <p:spPr/>
         <p:txBody>
-          <a:bodyPr>
-            <a:normAutofit/>
-          </a:bodyPr>
-          <a:lstStyle/>
-          <a:p>
-            <a:endParaRPr lang="en-IN" sz="2000" dirty="0">
+          <a:bodyPr/>
+          <a:lstStyle/>
+          <a:p>
+            <a:endParaRPr lang="en-IN" b="1" dirty="0">
               <a:latin typeface="SF UI Display" panose="00000500000000000000" pitchFamily="50" charset="0"/>
             </a:endParaRPr>
           </a:p>
           <a:p>
             <a:r>
-              <a:rPr lang="en-IN" sz="2000" dirty="0">
+              <a:rPr lang="en-IN" b="1" dirty="0">
                 <a:latin typeface="SF UI Display" panose="00000500000000000000" pitchFamily="50" charset="0"/>
               </a:rPr>
-              <a:t>Proposed Technique is depth first search </a:t>
-            </a:r>
-          </a:p>
-          <a:p>
-            <a:r>
-              <a:rPr lang="en-IN" sz="2000" dirty="0">
+              <a:t>(Existing solution) </a:t>
+            </a:r>
+            <a:endParaRPr lang="en-US" b="0" i="0" dirty="0">
+              <a:effectLst/>
+              <a:latin typeface="SF UI Display" panose="00000500000000000000" pitchFamily="50" charset="0"/>
+            </a:endParaRPr>
+          </a:p>
+          <a:p>
+            <a:r>
+              <a:rPr lang="en-US" b="1" dirty="0">
                 <a:latin typeface="SF UI Display" panose="00000500000000000000" pitchFamily="50" charset="0"/>
               </a:rPr>
-              <a:t>It is easy to implement with the graph data structure and the time and space complexity is comparable with other solutions. </a:t>
-            </a:r>
-          </a:p>
-          <a:p>
-            <a:r>
-              <a:rPr lang="en-IN" sz="2000" dirty="0">
+              <a:t>(Naïve solution)</a:t>
+            </a:r>
+            <a:r>
+              <a:rPr lang="en-US" dirty="0">
                 <a:latin typeface="SF UI Display" panose="00000500000000000000" pitchFamily="50" charset="0"/>
               </a:rPr>
-              <a:t>Prerequisites before implementing the algorithm</a:t>
-            </a:r>
-          </a:p>
-          <a:p>
-            <a:pPr lvl="1"/>
-            <a:r>
-              <a:rPr lang="en-IN" sz="1800" dirty="0">
+              <a:t> -  Visit every node and mark is as seen and check for adjacent nodes and keep updating the final list.  </a:t>
+            </a:r>
+            <a:r>
+              <a:rPr lang="en-US" b="0" i="0" dirty="0">
+                <a:effectLst/>
                 <a:latin typeface="SF UI Display" panose="00000500000000000000" pitchFamily="50" charset="0"/>
               </a:rPr>
-              <a:t>Visiting the nodes</a:t>
-            </a:r>
-          </a:p>
-          <a:p>
-            <a:pPr lvl="1"/>
-            <a:r>
-              <a:rPr lang="en-IN" sz="1800" dirty="0">
-                <a:latin typeface="SF UI Display" panose="00000500000000000000" pitchFamily="50" charset="0"/>
-              </a:rPr>
-              <a:t>Exploration of nodes</a:t>
-            </a:r>
-          </a:p>
-          <a:p>
-            <a:pPr lvl="1"/>
-            <a:r>
-              <a:rPr lang="en-IN" sz="1800" dirty="0">
-                <a:latin typeface="SF UI Display" panose="00000500000000000000" pitchFamily="50" charset="0"/>
-              </a:rPr>
-              <a:t>Depth first search algorithm and functionality</a:t>
-            </a:r>
-          </a:p>
-          <a:p>
-            <a:r>
-              <a:rPr lang="en-IN" sz="2000" dirty="0">
-                <a:latin typeface="SF UI Display" panose="00000500000000000000" pitchFamily="50" charset="0"/>
-              </a:rPr>
-              <a:t>Time complexity - O(V) whew v is the number of nodes </a:t>
-            </a:r>
-          </a:p>
-          <a:p>
-            <a:r>
-              <a:rPr lang="en-IN" sz="2000" dirty="0">
-                <a:latin typeface="SF UI Display" panose="00000500000000000000" pitchFamily="50" charset="0"/>
-              </a:rPr>
-              <a:t>Space complexity  - O(h) where h is the max height. </a:t>
-            </a:r>
-          </a:p>
-          <a:p>
-            <a:pPr marL="457200" lvl="1" indent="0">
-              <a:buNone/>
-            </a:pPr>
-            <a:endParaRPr lang="en-IN" sz="1800" dirty="0">
+              <a:t>	</a:t>
+            </a:r>
+            <a:endParaRPr lang="en-IN" dirty="0">
               <a:latin typeface="SF UI Display" panose="00000500000000000000" pitchFamily="50" charset="0"/>
             </a:endParaRPr>
           </a:p>
@@ -5455,7 +5482,7 @@
     </p:spTree>
     <p:extLst>
       <p:ext uri="{BB962C8B-B14F-4D97-AF65-F5344CB8AC3E}">
-        <p14:creationId xmlns:p14="http://schemas.microsoft.com/office/powerpoint/2010/main" val="1873897798"/>
+        <p14:creationId xmlns:p14="http://schemas.microsoft.com/office/powerpoint/2010/main" val="3735240634"/>
       </p:ext>
     </p:extLst>
   </p:cSld>
@@ -5487,7 +5514,7 @@
           <p:cNvPr id="2" name="Title 1">
             <a:extLst>
               <a:ext uri="{FF2B5EF4-FFF2-40B4-BE49-F238E27FC236}">
-                <a16:creationId xmlns:a16="http://schemas.microsoft.com/office/drawing/2014/main" id="{CE50D7B3-C5EC-48FF-ABB6-4CD4DCDE774E}"/>
+                <a16:creationId xmlns:a16="http://schemas.microsoft.com/office/drawing/2014/main" id="{C079C607-0321-4664-A0D0-86C179313E4F}"/>
               </a:ext>
             </a:extLst>
           </p:cNvPr>
@@ -5515,7 +5542,7 @@
                 <a:ea typeface="Cascadia Code SemiBold" panose="020B0609020000020004" pitchFamily="49" charset="0"/>
                 <a:cs typeface="Cascadia Code SemiBold" panose="020B0609020000020004" pitchFamily="49" charset="0"/>
               </a:rPr>
-              <a:t>DATA STRUCTURES</a:t>
+              <a:t>PROPOSED ALGORITHM AND DESIGN TECHINIQUE </a:t>
             </a:r>
           </a:p>
         </p:txBody>
@@ -5525,7 +5552,7 @@
           <p:cNvPr id="3" name="Content Placeholder 2">
             <a:extLst>
               <a:ext uri="{FF2B5EF4-FFF2-40B4-BE49-F238E27FC236}">
-                <a16:creationId xmlns:a16="http://schemas.microsoft.com/office/drawing/2014/main" id="{9F916CAF-A315-4FBB-AF10-D90D4319CD49}"/>
+                <a16:creationId xmlns:a16="http://schemas.microsoft.com/office/drawing/2014/main" id="{D7F674A8-B697-455E-AE71-EE2E42A1C10C}"/>
               </a:ext>
             </a:extLst>
           </p:cNvPr>
@@ -5538,30 +5565,128 @@
         </p:nvSpPr>
         <p:spPr/>
         <p:txBody>
-          <a:bodyPr/>
-          <a:lstStyle/>
-          <a:p>
-            <a:r>
-              <a:rPr lang="en-IN" dirty="0">
+          <a:bodyPr>
+            <a:normAutofit/>
+          </a:bodyPr>
+          <a:lstStyle/>
+          <a:p>
+            <a:endParaRPr lang="en-IN" sz="2000" dirty="0">
+              <a:latin typeface="SF UI Display" panose="00000500000000000000" pitchFamily="50" charset="0"/>
+            </a:endParaRPr>
+          </a:p>
+          <a:p>
+            <a:r>
+              <a:rPr lang="en-IN" sz="2000" dirty="0">
                 <a:latin typeface="SF UI Display" panose="00000500000000000000" pitchFamily="50" charset="0"/>
               </a:rPr>
-              <a:t>Graph data structure </a:t>
-            </a:r>
-          </a:p>
-          <a:p>
-            <a:r>
-              <a:rPr lang="en-IN" dirty="0">
+              <a:t>Proposed Technique is using </a:t>
+            </a:r>
+            <a:r>
+              <a:rPr lang="en-IN" sz="2000" dirty="0" err="1">
                 <a:latin typeface="SF UI Display" panose="00000500000000000000" pitchFamily="50" charset="0"/>
               </a:rPr>
-              <a:t>Python – dictionary</a:t>
-            </a:r>
+              <a:t>Dijkstras</a:t>
+            </a:r>
+            <a:r>
+              <a:rPr lang="en-IN" sz="2000" dirty="0">
+                <a:latin typeface="SF UI Display" panose="00000500000000000000" pitchFamily="50" charset="0"/>
+              </a:rPr>
+              <a:t> Algorithm. </a:t>
+            </a:r>
+          </a:p>
+          <a:p>
+            <a:r>
+              <a:rPr lang="en-IN" sz="2000" dirty="0">
+                <a:latin typeface="SF UI Display" panose="00000500000000000000" pitchFamily="50" charset="0"/>
+              </a:rPr>
+              <a:t>It is easy to implement with the graph data structure and the time and space complexity is comparable with other solutions. </a:t>
+            </a:r>
+          </a:p>
+          <a:p>
+            <a:r>
+              <a:rPr lang="en-IN" sz="2000" dirty="0">
+                <a:latin typeface="SF UI Display" panose="00000500000000000000" pitchFamily="50" charset="0"/>
+              </a:rPr>
+              <a:t>Prerequisites before implementing the algorithm</a:t>
+            </a:r>
+          </a:p>
+          <a:p>
+            <a:pPr lvl="1"/>
+            <a:r>
+              <a:rPr lang="en-IN" sz="1800" dirty="0">
+                <a:latin typeface="SF UI Display" panose="00000500000000000000" pitchFamily="50" charset="0"/>
+              </a:rPr>
+              <a:t>Visiting the nodes</a:t>
+            </a:r>
+          </a:p>
+          <a:p>
+            <a:pPr lvl="1"/>
+            <a:r>
+              <a:rPr lang="en-IN" sz="1800" dirty="0">
+                <a:latin typeface="SF UI Display" panose="00000500000000000000" pitchFamily="50" charset="0"/>
+              </a:rPr>
+              <a:t>Exploration of nodes</a:t>
+            </a:r>
+          </a:p>
+          <a:p>
+            <a:pPr lvl="1"/>
+            <a:r>
+              <a:rPr lang="en-IN" sz="1800" dirty="0">
+                <a:latin typeface="SF UI Display" panose="00000500000000000000" pitchFamily="50" charset="0"/>
+              </a:rPr>
+              <a:t>Depth first search algorithm and functionality</a:t>
+            </a:r>
+          </a:p>
+          <a:p>
+            <a:r>
+              <a:rPr lang="en-IN" sz="2000" dirty="0">
+                <a:latin typeface="SF UI Display" panose="00000500000000000000" pitchFamily="50" charset="0"/>
+              </a:rPr>
+              <a:t>Time complexity – O(</a:t>
+            </a:r>
+            <a:r>
+              <a:rPr lang="en-IN" sz="2000" dirty="0" err="1">
+                <a:latin typeface="SF UI Display" panose="00000500000000000000" pitchFamily="50" charset="0"/>
+              </a:rPr>
+              <a:t>logV</a:t>
+            </a:r>
+            <a:r>
+              <a:rPr lang="en-IN" sz="2000" dirty="0">
+                <a:latin typeface="SF UI Display" panose="00000500000000000000" pitchFamily="50" charset="0"/>
+              </a:rPr>
+              <a:t>) </a:t>
+            </a:r>
+          </a:p>
+          <a:p>
+            <a:r>
+              <a:rPr lang="en-IN" sz="2000" dirty="0">
+                <a:latin typeface="SF UI Display" panose="00000500000000000000" pitchFamily="50" charset="0"/>
+              </a:rPr>
+              <a:t>Space complexity  - O(V) . </a:t>
+            </a:r>
+          </a:p>
+          <a:p>
+            <a:pPr marL="457200" lvl="1" indent="0">
+              <a:buNone/>
+            </a:pPr>
+            <a:endParaRPr lang="en-IN" sz="1800" dirty="0">
+              <a:latin typeface="SF UI Display" panose="00000500000000000000" pitchFamily="50" charset="0"/>
+            </a:endParaRPr>
+          </a:p>
+          <a:p>
+            <a:pPr marL="457200" lvl="1" indent="0">
+              <a:buNone/>
+            </a:pPr>
+            <a:endParaRPr lang="en-IN" sz="1800" dirty="0">
+              <a:latin typeface="SF UI Display" panose="00000500000000000000" pitchFamily="50" charset="0"/>
+            </a:endParaRPr>
           </a:p>
         </p:txBody>
       </p:sp>
     </p:spTree>
     <p:extLst>
       <p:ext uri="{BB962C8B-B14F-4D97-AF65-F5344CB8AC3E}">
-        <p14:creationId xmlns:p14="http://schemas.microsoft.com/office/powerpoint/2010/main" val="1079686486"/>
+        <p14:creationId xmlns:p14="http://schemas.microsoft.com/office/powerpoint/2010/main" val="1873897798"/>
       </p:ext>
     </p:extLst>
   </p:cSld>
@@ -5593,7 +5718,7 @@
           <p:cNvPr id="2" name="Title 1">
             <a:extLst>
               <a:ext uri="{FF2B5EF4-FFF2-40B4-BE49-F238E27FC236}">
-                <a16:creationId xmlns:a16="http://schemas.microsoft.com/office/drawing/2014/main" id="{5E0E2495-BC54-4067-8E7F-D378A5039021}"/>
+                <a16:creationId xmlns:a16="http://schemas.microsoft.com/office/drawing/2014/main" id="{CE50D7B3-C5EC-48FF-ABB6-4CD4DCDE774E}"/>
               </a:ext>
             </a:extLst>
           </p:cNvPr>
@@ -5621,7 +5746,7 @@
                 <a:ea typeface="Cascadia Code SemiBold" panose="020B0609020000020004" pitchFamily="49" charset="0"/>
                 <a:cs typeface="Cascadia Code SemiBold" panose="020B0609020000020004" pitchFamily="49" charset="0"/>
               </a:rPr>
-              <a:t>GITHUB SETUP </a:t>
+              <a:t>DATA STRUCTURES</a:t>
             </a:r>
           </a:p>
         </p:txBody>
@@ -5631,7 +5756,7 @@
           <p:cNvPr id="3" name="Content Placeholder 2">
             <a:extLst>
               <a:ext uri="{FF2B5EF4-FFF2-40B4-BE49-F238E27FC236}">
-                <a16:creationId xmlns:a16="http://schemas.microsoft.com/office/drawing/2014/main" id="{60162721-C3DA-47FF-B8CE-72984E3B00C1}"/>
+                <a16:creationId xmlns:a16="http://schemas.microsoft.com/office/drawing/2014/main" id="{9F916CAF-A315-4FBB-AF10-D90D4319CD49}"/>
               </a:ext>
             </a:extLst>
           </p:cNvPr>
@@ -5648,55 +5773,26 @@
           <a:lstStyle/>
           <a:p>
             <a:r>
-              <a:rPr lang="en-US" dirty="0" err="1">
-                <a:hlinkClick r:id="rId2"/>
-              </a:rPr>
-              <a:t>lucidcreeper</a:t>
-            </a:r>
-            <a:r>
-              <a:rPr lang="en-US" dirty="0">
-                <a:hlinkClick r:id="rId2"/>
-              </a:rPr>
-              <a:t>/Space-Efficient-Algorithms-for-Reachability-in-Directed-Geometric-Graph (github.com)</a:t>
-            </a:r>
-            <a:endParaRPr lang="en-IN" dirty="0"/>
-          </a:p>
-        </p:txBody>
-      </p:sp>
-      <p:pic>
-        <p:nvPicPr>
-          <p:cNvPr id="7" name="Picture 6" descr="A screenshot of a computer&#10;&#10;Description automatically generated">
-            <a:extLst>
-              <a:ext uri="{FF2B5EF4-FFF2-40B4-BE49-F238E27FC236}">
-                <a16:creationId xmlns:a16="http://schemas.microsoft.com/office/drawing/2014/main" id="{8C173003-B5DA-4366-94A9-C8C72869D275}"/>
-              </a:ext>
-            </a:extLst>
-          </p:cNvPr>
-          <p:cNvPicPr>
-            <a:picLocks noChangeAspect="1"/>
-          </p:cNvPicPr>
-          <p:nvPr/>
-        </p:nvPicPr>
-        <p:blipFill>
-          <a:blip r:embed="rId3"/>
-          <a:stretch>
-            <a:fillRect/>
-          </a:stretch>
-        </p:blipFill>
-        <p:spPr>
-          <a:xfrm>
-            <a:off x="1100666" y="2969809"/>
-            <a:ext cx="6029975" cy="3486025"/>
-          </a:xfrm>
-          <a:prstGeom prst="rect">
-            <a:avLst/>
-          </a:prstGeom>
-        </p:spPr>
-      </p:pic>
+              <a:rPr lang="en-IN" dirty="0">
+                <a:latin typeface="SF UI Display" panose="00000500000000000000" pitchFamily="50" charset="0"/>
+              </a:rPr>
+              <a:t>Graph data structure </a:t>
+            </a:r>
+          </a:p>
+          <a:p>
+            <a:r>
+              <a:rPr lang="en-IN" dirty="0">
+                <a:latin typeface="SF UI Display" panose="00000500000000000000" pitchFamily="50" charset="0"/>
+              </a:rPr>
+              <a:t>Python – dictionary</a:t>
+            </a:r>
+          </a:p>
+        </p:txBody>
+      </p:sp>
     </p:spTree>
     <p:extLst>
       <p:ext uri="{BB962C8B-B14F-4D97-AF65-F5344CB8AC3E}">
-        <p14:creationId xmlns:p14="http://schemas.microsoft.com/office/powerpoint/2010/main" val="520040347"/>
+        <p14:creationId xmlns:p14="http://schemas.microsoft.com/office/powerpoint/2010/main" val="1079686486"/>
       </p:ext>
     </p:extLst>
   </p:cSld>
@@ -5728,7 +5824,7 @@
           <p:cNvPr id="2" name="Title 1">
             <a:extLst>
               <a:ext uri="{FF2B5EF4-FFF2-40B4-BE49-F238E27FC236}">
-                <a16:creationId xmlns:a16="http://schemas.microsoft.com/office/drawing/2014/main" id="{70F3E181-6CB8-4C66-9588-9712C8DB5DDC}"/>
+                <a16:creationId xmlns:a16="http://schemas.microsoft.com/office/drawing/2014/main" id="{5E0E2495-BC54-4067-8E7F-D378A5039021}"/>
               </a:ext>
             </a:extLst>
           </p:cNvPr>
@@ -5739,12 +5835,7 @@
             <p:ph type="title"/>
           </p:nvPr>
         </p:nvSpPr>
-        <p:spPr>
-          <a:xfrm>
-            <a:off x="841695" y="365125"/>
-            <a:ext cx="10515600" cy="1325563"/>
-          </a:xfrm>
-        </p:spPr>
+        <p:spPr/>
         <p:txBody>
           <a:bodyPr/>
           <a:lstStyle/>
@@ -5761,7 +5852,7 @@
                 <a:ea typeface="Cascadia Code SemiBold" panose="020B0609020000020004" pitchFamily="49" charset="0"/>
                 <a:cs typeface="Cascadia Code SemiBold" panose="020B0609020000020004" pitchFamily="49" charset="0"/>
               </a:rPr>
-              <a:t>DIVISION OF WORK</a:t>
+              <a:t>GITHUB SETUP </a:t>
             </a:r>
           </a:p>
         </p:txBody>
@@ -5771,7 +5862,7 @@
           <p:cNvPr id="3" name="Content Placeholder 2">
             <a:extLst>
               <a:ext uri="{FF2B5EF4-FFF2-40B4-BE49-F238E27FC236}">
-                <a16:creationId xmlns:a16="http://schemas.microsoft.com/office/drawing/2014/main" id="{0D677678-E6FC-43AF-8710-22E963C7CB46}"/>
+                <a16:creationId xmlns:a16="http://schemas.microsoft.com/office/drawing/2014/main" id="{60162721-C3DA-47FF-B8CE-72984E3B00C1}"/>
               </a:ext>
             </a:extLst>
           </p:cNvPr>
@@ -5787,40 +5878,56 @@
           <a:bodyPr/>
           <a:lstStyle/>
           <a:p>
+            <a:r>
+              <a:rPr lang="en-US" dirty="0" err="1">
+                <a:hlinkClick r:id="rId2"/>
+              </a:rPr>
+              <a:t>lucidcreeper</a:t>
+            </a:r>
+            <a:r>
+              <a:rPr lang="en-US" dirty="0">
+                <a:hlinkClick r:id="rId2"/>
+              </a:rPr>
+              <a:t>/Space-Efficient-Algorithms-for-Reachability-in-Directed-Geometric-Graph (github.com)</a:t>
+            </a:r>
             <a:endParaRPr lang="en-IN" dirty="0"/>
           </a:p>
-          <a:p>
-            <a:r>
-              <a:rPr lang="en-IN" dirty="0"/>
-              <a:t>Implementation – Jyothin, Satya</a:t>
-            </a:r>
-          </a:p>
-          <a:p>
-            <a:r>
-              <a:rPr lang="en-IN" dirty="0"/>
-              <a:t>Algorithm and logic – Jyothin, </a:t>
-            </a:r>
-            <a:r>
-              <a:rPr lang="en-IN" dirty="0" err="1"/>
-              <a:t>Snehith</a:t>
-            </a:r>
-            <a:r>
-              <a:rPr lang="en-IN" dirty="0"/>
-              <a:t>, Karthik </a:t>
-            </a:r>
-          </a:p>
-          <a:p>
-            <a:r>
-              <a:rPr lang="en-IN" dirty="0"/>
-              <a:t>Testing and functionality – Devaraj </a:t>
-            </a:r>
-          </a:p>
-        </p:txBody>
-      </p:sp>
+        </p:txBody>
+      </p:sp>
+      <p:pic>
+        <p:nvPicPr>
+          <p:cNvPr id="7" name="Picture 6" descr="A screenshot of a computer&#10;&#10;Description automatically generated">
+            <a:extLst>
+              <a:ext uri="{FF2B5EF4-FFF2-40B4-BE49-F238E27FC236}">
+                <a16:creationId xmlns:a16="http://schemas.microsoft.com/office/drawing/2014/main" id="{8C173003-B5DA-4366-94A9-C8C72869D275}"/>
+              </a:ext>
+            </a:extLst>
+          </p:cNvPr>
+          <p:cNvPicPr>
+            <a:picLocks noChangeAspect="1"/>
+          </p:cNvPicPr>
+          <p:nvPr/>
+        </p:nvPicPr>
+        <p:blipFill>
+          <a:blip r:embed="rId3"/>
+          <a:stretch>
+            <a:fillRect/>
+          </a:stretch>
+        </p:blipFill>
+        <p:spPr>
+          <a:xfrm>
+            <a:off x="1100666" y="2969809"/>
+            <a:ext cx="6029975" cy="3486025"/>
+          </a:xfrm>
+          <a:prstGeom prst="rect">
+            <a:avLst/>
+          </a:prstGeom>
+        </p:spPr>
+      </p:pic>
     </p:spTree>
     <p:extLst>
       <p:ext uri="{BB962C8B-B14F-4D97-AF65-F5344CB8AC3E}">
-        <p14:creationId xmlns:p14="http://schemas.microsoft.com/office/powerpoint/2010/main" val="2477139981"/>
+        <p14:creationId xmlns:p14="http://schemas.microsoft.com/office/powerpoint/2010/main" val="520040347"/>
       </p:ext>
     </p:extLst>
   </p:cSld>
